--- a/ppt/IoT13-ArduinoAdvanced.pptx
+++ b/ppt/IoT13-ArduinoAdvanced.pptx
@@ -3770,7 +3770,15 @@
           <a:bodyPr/>
           <a:lstStyle/>
           <a:p>
-            <a:endParaRPr lang="fr-FR"/>
+            <a:r>
+              <a:rPr lang="fr-FR" dirty="0" err="1" smtClean="0"/>
+              <a:t>Arduino</a:t>
+            </a:r>
+            <a:r>
+              <a:rPr lang="fr-FR" dirty="0" smtClean="0"/>
+              <a:t> Avancé</a:t>
+            </a:r>
+            <a:endParaRPr lang="fr-FR" dirty="0"/>
           </a:p>
         </p:txBody>
       </p:sp>
@@ -3807,7 +3815,7 @@
               <a:rPr lang="fr-FR" dirty="0" err="1"/>
               <a:t>Arduino</a:t>
             </a:r>
-            <a:endParaRPr lang="fr-FR"/>
+            <a:endParaRPr lang="fr-FR" dirty="0"/>
           </a:p>
           <a:p>
             <a:endParaRPr lang="fr-FR" dirty="0"/>

--- a/ppt/IoT13-ArduinoAdvanced.pptx
+++ b/ppt/IoT13-ArduinoAdvanced.pptx
@@ -605,35 +605,35 @@
           <a:p>
             <a:pPr lvl="0"/>
             <a:r>
-              <a:rPr lang="fr-FR" noProof="0" smtClean="0"/>
+              <a:rPr lang="fr-FR" noProof="0"/>
               <a:t>Cliquez pour modifier les styles du texte du masque</a:t>
             </a:r>
           </a:p>
           <a:p>
             <a:pPr lvl="1"/>
             <a:r>
-              <a:rPr lang="fr-FR" noProof="0" smtClean="0"/>
+              <a:rPr lang="fr-FR" noProof="0"/>
               <a:t>Deuxième niveau</a:t>
             </a:r>
           </a:p>
           <a:p>
             <a:pPr lvl="2"/>
             <a:r>
-              <a:rPr lang="fr-FR" noProof="0" smtClean="0"/>
+              <a:rPr lang="fr-FR" noProof="0"/>
               <a:t>Troisième niveau</a:t>
             </a:r>
           </a:p>
           <a:p>
             <a:pPr lvl="3"/>
             <a:r>
-              <a:rPr lang="fr-FR" noProof="0" smtClean="0"/>
+              <a:rPr lang="fr-FR" noProof="0"/>
               <a:t>Quatrième niveau</a:t>
             </a:r>
           </a:p>
           <a:p>
             <a:pPr lvl="4"/>
             <a:r>
-              <a:rPr lang="fr-FR" noProof="0" smtClean="0"/>
+              <a:rPr lang="fr-FR" noProof="0"/>
               <a:t>Cinquième niveau</a:t>
             </a:r>
           </a:p>
@@ -921,10 +921,9 @@
           <a:lstStyle/>
           <a:p>
             <a:r>
-              <a:rPr lang="fr-FR" smtClean="0"/>
+              <a:rPr lang="fr-FR"/>
               <a:t>Cliquez pour modifier le style du titre</a:t>
             </a:r>
-            <a:endParaRPr lang="fr-FR"/>
           </a:p>
         </p:txBody>
       </p:sp>
@@ -986,10 +985,9 @@
           </a:lstStyle>
           <a:p>
             <a:r>
-              <a:rPr lang="fr-FR" smtClean="0"/>
+              <a:rPr lang="fr-FR"/>
               <a:t>Cliquez pour modifier le style des sous-titres du masque</a:t>
             </a:r>
-            <a:endParaRPr lang="fr-FR"/>
           </a:p>
         </p:txBody>
       </p:sp>
@@ -1044,10 +1042,9 @@
           <a:lstStyle/>
           <a:p>
             <a:r>
-              <a:rPr lang="fr-FR" smtClean="0"/>
+              <a:rPr lang="fr-FR"/>
               <a:t>Cliquez pour modifier le style du titre</a:t>
             </a:r>
-            <a:endParaRPr lang="fr-FR"/>
           </a:p>
         </p:txBody>
       </p:sp>
@@ -1073,38 +1070,37 @@
           <a:p>
             <a:pPr lvl="0"/>
             <a:r>
-              <a:rPr lang="fr-FR" smtClean="0"/>
+              <a:rPr lang="fr-FR"/>
               <a:t>Cliquez pour modifier les styles du texte du masque</a:t>
             </a:r>
           </a:p>
           <a:p>
             <a:pPr lvl="1"/>
             <a:r>
-              <a:rPr lang="fr-FR" smtClean="0"/>
+              <a:rPr lang="fr-FR"/>
               <a:t>Deuxième niveau</a:t>
             </a:r>
           </a:p>
           <a:p>
             <a:pPr lvl="2"/>
             <a:r>
-              <a:rPr lang="fr-FR" smtClean="0"/>
+              <a:rPr lang="fr-FR"/>
               <a:t>Troisième niveau</a:t>
             </a:r>
           </a:p>
           <a:p>
             <a:pPr lvl="3"/>
             <a:r>
-              <a:rPr lang="fr-FR" smtClean="0"/>
+              <a:rPr lang="fr-FR"/>
               <a:t>Quatrième niveau</a:t>
             </a:r>
           </a:p>
           <a:p>
             <a:pPr lvl="4"/>
             <a:r>
-              <a:rPr lang="fr-FR" smtClean="0"/>
+              <a:rPr lang="fr-FR"/>
               <a:t>Cinquième niveau</a:t>
             </a:r>
-            <a:endParaRPr lang="fr-FR"/>
           </a:p>
         </p:txBody>
       </p:sp>
@@ -1163,10 +1159,9 @@
           </a:lstStyle>
           <a:p>
             <a:r>
-              <a:rPr lang="fr-FR" dirty="0" smtClean="0"/>
+              <a:rPr lang="fr-FR" dirty="0"/>
               <a:t>Cliquez pour modifier le style du titre</a:t>
             </a:r>
-            <a:endParaRPr lang="fr-FR" dirty="0"/>
           </a:p>
         </p:txBody>
       </p:sp>
@@ -1192,38 +1187,37 @@
           <a:p>
             <a:pPr lvl="0"/>
             <a:r>
-              <a:rPr lang="fr-FR" dirty="0" smtClean="0"/>
+              <a:rPr lang="fr-FR" dirty="0"/>
               <a:t>Cliquez pour modifier les styles du texte du masque</a:t>
             </a:r>
           </a:p>
           <a:p>
             <a:pPr lvl="1"/>
             <a:r>
-              <a:rPr lang="fr-FR" dirty="0" smtClean="0"/>
+              <a:rPr lang="fr-FR" dirty="0"/>
               <a:t>Deuxième niveau</a:t>
             </a:r>
           </a:p>
           <a:p>
             <a:pPr lvl="2"/>
             <a:r>
-              <a:rPr lang="fr-FR" dirty="0" smtClean="0"/>
+              <a:rPr lang="fr-FR" dirty="0"/>
               <a:t>Troisième niveau</a:t>
             </a:r>
           </a:p>
           <a:p>
             <a:pPr lvl="3"/>
             <a:r>
-              <a:rPr lang="fr-FR" dirty="0" smtClean="0"/>
+              <a:rPr lang="fr-FR" dirty="0"/>
               <a:t>Quatrième niveau</a:t>
             </a:r>
           </a:p>
           <a:p>
             <a:pPr lvl="4"/>
             <a:r>
-              <a:rPr lang="fr-FR" dirty="0" smtClean="0"/>
+              <a:rPr lang="fr-FR" dirty="0"/>
               <a:t>Cinquième niveau</a:t>
             </a:r>
-            <a:endParaRPr lang="fr-FR" dirty="0"/>
           </a:p>
         </p:txBody>
       </p:sp>
@@ -1273,10 +1267,9 @@
           <a:lstStyle/>
           <a:p>
             <a:r>
-              <a:rPr lang="fr-FR" smtClean="0"/>
+              <a:rPr lang="fr-FR"/>
               <a:t>Cliquez pour modifier le style du titre</a:t>
             </a:r>
-            <a:endParaRPr lang="fr-FR"/>
           </a:p>
         </p:txBody>
       </p:sp>
@@ -1330,38 +1323,37 @@
           <a:p>
             <a:pPr lvl="0"/>
             <a:r>
-              <a:rPr lang="fr-FR" smtClean="0"/>
+              <a:rPr lang="fr-FR"/>
               <a:t>Cliquez pour modifier les styles du texte du masque</a:t>
             </a:r>
           </a:p>
           <a:p>
             <a:pPr lvl="1"/>
             <a:r>
-              <a:rPr lang="fr-FR" smtClean="0"/>
+              <a:rPr lang="fr-FR"/>
               <a:t>Deuxième niveau</a:t>
             </a:r>
           </a:p>
           <a:p>
             <a:pPr lvl="2"/>
             <a:r>
-              <a:rPr lang="fr-FR" smtClean="0"/>
+              <a:rPr lang="fr-FR"/>
               <a:t>Troisième niveau</a:t>
             </a:r>
           </a:p>
           <a:p>
             <a:pPr lvl="3"/>
             <a:r>
-              <a:rPr lang="fr-FR" smtClean="0"/>
+              <a:rPr lang="fr-FR"/>
               <a:t>Quatrième niveau</a:t>
             </a:r>
           </a:p>
           <a:p>
             <a:pPr lvl="4"/>
             <a:r>
-              <a:rPr lang="fr-FR" smtClean="0"/>
+              <a:rPr lang="fr-FR"/>
               <a:t>Cinquième niveau</a:t>
             </a:r>
-            <a:endParaRPr lang="fr-FR"/>
           </a:p>
         </p:txBody>
       </p:sp>
@@ -1415,38 +1407,37 @@
           <a:p>
             <a:pPr lvl="0"/>
             <a:r>
-              <a:rPr lang="fr-FR" smtClean="0"/>
+              <a:rPr lang="fr-FR"/>
               <a:t>Cliquez pour modifier les styles du texte du masque</a:t>
             </a:r>
           </a:p>
           <a:p>
             <a:pPr lvl="1"/>
             <a:r>
-              <a:rPr lang="fr-FR" smtClean="0"/>
+              <a:rPr lang="fr-FR"/>
               <a:t>Deuxième niveau</a:t>
             </a:r>
           </a:p>
           <a:p>
             <a:pPr lvl="2"/>
             <a:r>
-              <a:rPr lang="fr-FR" smtClean="0"/>
+              <a:rPr lang="fr-FR"/>
               <a:t>Troisième niveau</a:t>
             </a:r>
           </a:p>
           <a:p>
             <a:pPr lvl="3"/>
             <a:r>
-              <a:rPr lang="fr-FR" smtClean="0"/>
+              <a:rPr lang="fr-FR"/>
               <a:t>Quatrième niveau</a:t>
             </a:r>
           </a:p>
           <a:p>
             <a:pPr lvl="4"/>
             <a:r>
-              <a:rPr lang="fr-FR" smtClean="0"/>
+              <a:rPr lang="fr-FR"/>
               <a:t>Cinquième niveau</a:t>
             </a:r>
-            <a:endParaRPr lang="fr-FR"/>
           </a:p>
         </p:txBody>
       </p:sp>
@@ -1505,10 +1496,9 @@
           </a:lstStyle>
           <a:p>
             <a:r>
-              <a:rPr lang="fr-FR" smtClean="0"/>
+              <a:rPr lang="fr-FR"/>
               <a:t>Cliquez pour modifier le style du titre</a:t>
             </a:r>
-            <a:endParaRPr lang="fr-FR"/>
           </a:p>
         </p:txBody>
       </p:sp>
@@ -1571,7 +1561,7 @@
           <a:p>
             <a:pPr lvl="0"/>
             <a:r>
-              <a:rPr lang="fr-FR" smtClean="0"/>
+              <a:rPr lang="fr-FR"/>
               <a:t>Cliquez pour modifier les styles du texte du masque</a:t>
             </a:r>
           </a:p>
@@ -1627,38 +1617,37 @@
           <a:p>
             <a:pPr lvl="0"/>
             <a:r>
-              <a:rPr lang="fr-FR" smtClean="0"/>
+              <a:rPr lang="fr-FR"/>
               <a:t>Cliquez pour modifier les styles du texte du masque</a:t>
             </a:r>
           </a:p>
           <a:p>
             <a:pPr lvl="1"/>
             <a:r>
-              <a:rPr lang="fr-FR" smtClean="0"/>
+              <a:rPr lang="fr-FR"/>
               <a:t>Deuxième niveau</a:t>
             </a:r>
           </a:p>
           <a:p>
             <a:pPr lvl="2"/>
             <a:r>
-              <a:rPr lang="fr-FR" smtClean="0"/>
+              <a:rPr lang="fr-FR"/>
               <a:t>Troisième niveau</a:t>
             </a:r>
           </a:p>
           <a:p>
             <a:pPr lvl="3"/>
             <a:r>
-              <a:rPr lang="fr-FR" smtClean="0"/>
+              <a:rPr lang="fr-FR"/>
               <a:t>Quatrième niveau</a:t>
             </a:r>
           </a:p>
           <a:p>
             <a:pPr lvl="4"/>
             <a:r>
-              <a:rPr lang="fr-FR" smtClean="0"/>
+              <a:rPr lang="fr-FR"/>
               <a:t>Cinquième niveau</a:t>
             </a:r>
-            <a:endParaRPr lang="fr-FR"/>
           </a:p>
         </p:txBody>
       </p:sp>
@@ -1721,7 +1710,7 @@
           <a:p>
             <a:pPr lvl="0"/>
             <a:r>
-              <a:rPr lang="fr-FR" smtClean="0"/>
+              <a:rPr lang="fr-FR"/>
               <a:t>Cliquez pour modifier les styles du texte du masque</a:t>
             </a:r>
           </a:p>
@@ -1777,38 +1766,37 @@
           <a:p>
             <a:pPr lvl="0"/>
             <a:r>
-              <a:rPr lang="fr-FR" smtClean="0"/>
+              <a:rPr lang="fr-FR"/>
               <a:t>Cliquez pour modifier les styles du texte du masque</a:t>
             </a:r>
           </a:p>
           <a:p>
             <a:pPr lvl="1"/>
             <a:r>
-              <a:rPr lang="fr-FR" smtClean="0"/>
+              <a:rPr lang="fr-FR"/>
               <a:t>Deuxième niveau</a:t>
             </a:r>
           </a:p>
           <a:p>
             <a:pPr lvl="2"/>
             <a:r>
-              <a:rPr lang="fr-FR" smtClean="0"/>
+              <a:rPr lang="fr-FR"/>
               <a:t>Troisième niveau</a:t>
             </a:r>
           </a:p>
           <a:p>
             <a:pPr lvl="3"/>
             <a:r>
-              <a:rPr lang="fr-FR" smtClean="0"/>
+              <a:rPr lang="fr-FR"/>
               <a:t>Quatrième niveau</a:t>
             </a:r>
           </a:p>
           <a:p>
             <a:pPr lvl="4"/>
             <a:r>
-              <a:rPr lang="fr-FR" smtClean="0"/>
+              <a:rPr lang="fr-FR"/>
               <a:t>Cinquième niveau</a:t>
             </a:r>
-            <a:endParaRPr lang="fr-FR"/>
           </a:p>
         </p:txBody>
       </p:sp>
@@ -1858,10 +1846,9 @@
           <a:lstStyle/>
           <a:p>
             <a:r>
-              <a:rPr lang="fr-FR" smtClean="0"/>
+              <a:rPr lang="fr-FR"/>
               <a:t>Cliquez pour modifier le style du titre</a:t>
             </a:r>
-            <a:endParaRPr lang="fr-FR"/>
           </a:p>
         </p:txBody>
       </p:sp>
@@ -1950,10 +1937,9 @@
           </a:lstStyle>
           <a:p>
             <a:r>
-              <a:rPr lang="fr-FR" smtClean="0"/>
+              <a:rPr lang="fr-FR"/>
               <a:t>Cliquez pour modifier le style du titre</a:t>
             </a:r>
-            <a:endParaRPr lang="fr-FR"/>
           </a:p>
         </p:txBody>
       </p:sp>
@@ -2007,38 +1993,37 @@
           <a:p>
             <a:pPr lvl="0"/>
             <a:r>
-              <a:rPr lang="fr-FR" smtClean="0"/>
+              <a:rPr lang="fr-FR"/>
               <a:t>Cliquez pour modifier les styles du texte du masque</a:t>
             </a:r>
           </a:p>
           <a:p>
             <a:pPr lvl="1"/>
             <a:r>
-              <a:rPr lang="fr-FR" smtClean="0"/>
+              <a:rPr lang="fr-FR"/>
               <a:t>Deuxième niveau</a:t>
             </a:r>
           </a:p>
           <a:p>
             <a:pPr lvl="2"/>
             <a:r>
-              <a:rPr lang="fr-FR" smtClean="0"/>
+              <a:rPr lang="fr-FR"/>
               <a:t>Troisième niveau</a:t>
             </a:r>
           </a:p>
           <a:p>
             <a:pPr lvl="3"/>
             <a:r>
-              <a:rPr lang="fr-FR" smtClean="0"/>
+              <a:rPr lang="fr-FR"/>
               <a:t>Quatrième niveau</a:t>
             </a:r>
           </a:p>
           <a:p>
             <a:pPr lvl="4"/>
             <a:r>
-              <a:rPr lang="fr-FR" smtClean="0"/>
+              <a:rPr lang="fr-FR"/>
               <a:t>Cinquième niveau</a:t>
             </a:r>
-            <a:endParaRPr lang="fr-FR"/>
           </a:p>
         </p:txBody>
       </p:sp>
@@ -2101,7 +2086,7 @@
           <a:p>
             <a:pPr lvl="0"/>
             <a:r>
-              <a:rPr lang="fr-FR" smtClean="0"/>
+              <a:rPr lang="fr-FR"/>
               <a:t>Cliquez pour modifier les styles du texte du masque</a:t>
             </a:r>
           </a:p>
@@ -2162,10 +2147,9 @@
           </a:lstStyle>
           <a:p>
             <a:r>
-              <a:rPr lang="fr-FR" smtClean="0"/>
+              <a:rPr lang="fr-FR"/>
               <a:t>Cliquez pour modifier le style du titre</a:t>
             </a:r>
-            <a:endParaRPr lang="fr-FR"/>
           </a:p>
         </p:txBody>
       </p:sp>
@@ -2227,7 +2211,7 @@
           </a:lstStyle>
           <a:p>
             <a:pPr lvl="0"/>
-            <a:endParaRPr lang="fr-FR" noProof="0" smtClean="0"/>
+            <a:endParaRPr lang="fr-FR" noProof="0"/>
           </a:p>
         </p:txBody>
       </p:sp>
@@ -2290,7 +2274,7 @@
           <a:p>
             <a:pPr lvl="0"/>
             <a:r>
-              <a:rPr lang="fr-FR" smtClean="0"/>
+              <a:rPr lang="fr-FR"/>
               <a:t>Cliquez pour modifier les styles du texte du masque</a:t>
             </a:r>
           </a:p>
@@ -2342,10 +2326,9 @@
           <a:lstStyle/>
           <a:p>
             <a:r>
-              <a:rPr lang="fr-FR" smtClean="0"/>
+              <a:rPr lang="fr-FR"/>
               <a:t>Cliquez pour modifier le style du titre</a:t>
             </a:r>
-            <a:endParaRPr lang="fr-FR"/>
           </a:p>
         </p:txBody>
       </p:sp>
@@ -2366,38 +2349,37 @@
           <a:p>
             <a:pPr lvl="0"/>
             <a:r>
-              <a:rPr lang="fr-FR" smtClean="0"/>
+              <a:rPr lang="fr-FR"/>
               <a:t>Cliquez pour modifier les styles du texte du masque</a:t>
             </a:r>
           </a:p>
           <a:p>
             <a:pPr lvl="1"/>
             <a:r>
-              <a:rPr lang="fr-FR" smtClean="0"/>
+              <a:rPr lang="fr-FR"/>
               <a:t>Deuxième niveau</a:t>
             </a:r>
           </a:p>
           <a:p>
             <a:pPr lvl="2"/>
             <a:r>
-              <a:rPr lang="fr-FR" smtClean="0"/>
+              <a:rPr lang="fr-FR"/>
               <a:t>Troisième niveau</a:t>
             </a:r>
           </a:p>
           <a:p>
             <a:pPr lvl="3"/>
             <a:r>
-              <a:rPr lang="fr-FR" smtClean="0"/>
+              <a:rPr lang="fr-FR"/>
               <a:t>Quatrième niveau</a:t>
             </a:r>
           </a:p>
           <a:p>
             <a:pPr lvl="4"/>
             <a:r>
-              <a:rPr lang="fr-FR" smtClean="0"/>
+              <a:rPr lang="fr-FR"/>
               <a:t>Cinquième niveau</a:t>
             </a:r>
-            <a:endParaRPr lang="fr-FR"/>
           </a:p>
         </p:txBody>
       </p:sp>
@@ -2578,7 +2560,7 @@
             <a:pPr eaLnBrk="1" hangingPunct="1">
               <a:defRPr/>
             </a:pPr>
-            <a:endParaRPr lang="fr-FR" altLang="fr-FR" smtClean="0"/>
+            <a:endParaRPr lang="fr-FR" altLang="fr-FR"/>
           </a:p>
         </p:txBody>
       </p:sp>
@@ -2732,7 +2714,7 @@
               <a:defRPr/>
             </a:pPr>
             <a:r>
-              <a:rPr lang="fr-FR" sz="1200" dirty="0" smtClean="0"/>
+              <a:rPr lang="fr-FR" sz="1200" dirty="0"/>
               <a:t>Page </a:t>
             </a:r>
             <a:fld id="{E218E9B1-FD08-4C80-902E-210BA2967D0D}" type="slidenum">
@@ -2745,7 +2727,7 @@
               </a:pPr>
               <a:t>‹N°›</a:t>
             </a:fld>
-            <a:endParaRPr lang="fr-FR" dirty="0" smtClean="0">
+            <a:endParaRPr lang="fr-FR" dirty="0">
               <a:latin typeface="Times New Roman" pitchFamily="18" charset="0"/>
             </a:endParaRPr>
           </a:p>
@@ -2901,10 +2883,10 @@
               <a:defRPr/>
             </a:pPr>
             <a:r>
-              <a:rPr lang="fr-FR" sz="1600" dirty="0" err="1" smtClean="0"/>
+              <a:rPr lang="fr-FR" sz="1600" dirty="0" err="1"/>
               <a:t>IoT</a:t>
             </a:r>
-            <a:endParaRPr lang="fr-FR" dirty="0" smtClean="0">
+            <a:endParaRPr lang="fr-FR" dirty="0">
               <a:latin typeface="Times New Roman" pitchFamily="18" charset="0"/>
             </a:endParaRPr>
           </a:p>
@@ -2962,7 +2944,7 @@
           <a:p>
             <a:pPr lvl="0"/>
             <a:r>
-              <a:rPr lang="fr-FR" altLang="fr-FR" smtClean="0"/>
+              <a:rPr lang="fr-FR" altLang="fr-FR"/>
               <a:t>Cliquez pour modifier le style du titre du masque</a:t>
             </a:r>
           </a:p>
@@ -3020,35 +3002,35 @@
           <a:p>
             <a:pPr lvl="0"/>
             <a:r>
-              <a:rPr lang="fr-FR" altLang="fr-FR" smtClean="0"/>
+              <a:rPr lang="fr-FR" altLang="fr-FR"/>
               <a:t>Cliquez pour modifier les styles du texte du masque</a:t>
             </a:r>
           </a:p>
           <a:p>
             <a:pPr lvl="1"/>
             <a:r>
-              <a:rPr lang="fr-FR" altLang="fr-FR" smtClean="0"/>
+              <a:rPr lang="fr-FR" altLang="fr-FR"/>
               <a:t>Deuxième niveau</a:t>
             </a:r>
           </a:p>
           <a:p>
             <a:pPr lvl="2"/>
             <a:r>
-              <a:rPr lang="fr-FR" altLang="fr-FR" smtClean="0"/>
+              <a:rPr lang="fr-FR" altLang="fr-FR"/>
               <a:t>Troisième niveau</a:t>
             </a:r>
           </a:p>
           <a:p>
             <a:pPr lvl="3"/>
             <a:r>
-              <a:rPr lang="fr-FR" altLang="fr-FR" smtClean="0"/>
+              <a:rPr lang="fr-FR" altLang="fr-FR"/>
               <a:t>Quatrième niveau</a:t>
             </a:r>
           </a:p>
           <a:p>
             <a:pPr lvl="4"/>
             <a:r>
-              <a:rPr lang="fr-FR" altLang="fr-FR" smtClean="0"/>
+              <a:rPr lang="fr-FR" altLang="fr-FR"/>
               <a:t>Cinquième niveau</a:t>
             </a:r>
           </a:p>
@@ -3204,10 +3186,10 @@
               <a:defRPr/>
             </a:pPr>
             <a:r>
-              <a:rPr lang="fr-FR" sz="1200" smtClean="0"/>
+              <a:rPr lang="fr-FR" sz="1200"/>
               <a:t>© Cyril Vincent Conseil</a:t>
             </a:r>
-            <a:endParaRPr lang="fr-FR" smtClean="0">
+            <a:endParaRPr lang="fr-FR">
               <a:latin typeface="Times New Roman" pitchFamily="18" charset="0"/>
             </a:endParaRPr>
           </a:p>
@@ -3694,10 +3676,10 @@
           <a:p>
             <a:pPr eaLnBrk="1" hangingPunct="1"/>
             <a:r>
-              <a:rPr lang="fr-FR" altLang="fr-FR" dirty="0" err="1" smtClean="0"/>
+              <a:rPr lang="fr-FR" altLang="fr-FR" dirty="0" err="1"/>
               <a:t>IoT</a:t>
             </a:r>
-            <a:endParaRPr lang="fr-FR" altLang="fr-FR" dirty="0" smtClean="0"/>
+            <a:endParaRPr lang="fr-FR" altLang="fr-FR" dirty="0"/>
           </a:p>
           <a:p>
             <a:pPr eaLnBrk="1" hangingPunct="1"/>
@@ -3706,18 +3688,18 @@
           <a:p>
             <a:pPr eaLnBrk="1" hangingPunct="1"/>
             <a:r>
-              <a:rPr lang="fr-FR" altLang="fr-FR" dirty="0" smtClean="0"/>
+              <a:rPr lang="fr-FR" altLang="fr-FR" dirty="0"/>
               <a:t>Chapitre 13</a:t>
             </a:r>
           </a:p>
           <a:p>
             <a:pPr eaLnBrk="1" hangingPunct="1"/>
             <a:r>
-              <a:rPr lang="fr-FR" altLang="fr-FR" dirty="0" err="1" smtClean="0"/>
+              <a:rPr lang="fr-FR" altLang="fr-FR" dirty="0" err="1"/>
               <a:t>Arduino</a:t>
             </a:r>
             <a:r>
-              <a:rPr lang="fr-FR" altLang="fr-FR" dirty="0" smtClean="0"/>
+              <a:rPr lang="fr-FR" altLang="fr-FR" dirty="0"/>
               <a:t> avancé</a:t>
             </a:r>
           </a:p>
@@ -3728,13 +3710,6 @@
   <p:clrMapOvr>
     <a:masterClrMapping/>
   </p:clrMapOvr>
-  <p:timing>
-    <p:tnLst>
-      <p:par>
-        <p:cTn id="1" dur="indefinite" restart="never" nodeType="tmRoot"/>
-      </p:par>
-    </p:tnLst>
-  </p:timing>
 </p:sld>
 </file>
 
@@ -3771,14 +3746,13 @@
           <a:lstStyle/>
           <a:p>
             <a:r>
-              <a:rPr lang="fr-FR" dirty="0" err="1" smtClean="0"/>
+              <a:rPr lang="fr-FR" dirty="0" err="1"/>
               <a:t>Arduino</a:t>
             </a:r>
             <a:r>
-              <a:rPr lang="fr-FR" dirty="0" smtClean="0"/>
+              <a:rPr lang="fr-FR" dirty="0"/>
               <a:t> Avancé</a:t>
             </a:r>
-            <a:endParaRPr lang="fr-FR" dirty="0"/>
           </a:p>
         </p:txBody>
       </p:sp>
@@ -3799,11 +3773,22 @@
           <a:p>
             <a:r>
               <a:rPr lang="fr-FR" dirty="0"/>
-              <a:t>Le problème des modules supérieurs à 5v et 0.7A : le relais de </a:t>
-            </a:r>
-            <a:r>
-              <a:rPr lang="fr-FR" dirty="0" smtClean="0"/>
-              <a:t>puissance</a:t>
+              <a:t>Le problème des modules supérieurs à 5v </a:t>
+            </a:r>
+            <a:r>
+              <a:rPr lang="fr-FR"/>
+              <a:t>et 0.7A</a:t>
+            </a:r>
+          </a:p>
+          <a:p>
+            <a:pPr lvl="1"/>
+            <a:r>
+              <a:rPr lang="fr-FR"/>
+              <a:t>le </a:t>
+            </a:r>
+            <a:r>
+              <a:rPr lang="fr-FR" dirty="0"/>
+              <a:t>relais de puissance</a:t>
             </a:r>
           </a:p>
           <a:p>
